--- a/My_readme_as_a_manager.pptx
+++ b/My_readme_as_a_manager.pptx
@@ -5,7 +5,7 @@
     <p:sldMasterId id="2147483713" r:id="rId1"/>
   </p:sldMasterIdLst>
   <p:notesMasterIdLst>
-    <p:notesMasterId r:id="rId16"/>
+    <p:notesMasterId r:id="rId17"/>
   </p:notesMasterIdLst>
   <p:sldIdLst>
     <p:sldId id="256" r:id="rId2"/>
@@ -16,12 +16,13 @@
     <p:sldId id="270" r:id="rId7"/>
     <p:sldId id="263" r:id="rId8"/>
     <p:sldId id="268" r:id="rId9"/>
-    <p:sldId id="269" r:id="rId10"/>
-    <p:sldId id="271" r:id="rId11"/>
-    <p:sldId id="272" r:id="rId12"/>
-    <p:sldId id="274" r:id="rId13"/>
-    <p:sldId id="273" r:id="rId14"/>
-    <p:sldId id="264" r:id="rId15"/>
+    <p:sldId id="275" r:id="rId10"/>
+    <p:sldId id="269" r:id="rId11"/>
+    <p:sldId id="271" r:id="rId12"/>
+    <p:sldId id="272" r:id="rId13"/>
+    <p:sldId id="274" r:id="rId14"/>
+    <p:sldId id="273" r:id="rId15"/>
+    <p:sldId id="264" r:id="rId16"/>
   </p:sldIdLst>
   <p:sldSz cx="12192000" cy="6858000"/>
   <p:notesSz cx="6858000" cy="9144000"/>
@@ -221,7 +222,7 @@
           <a:p>
             <a:fld id="{E76F302E-1C1B-480A-B6F4-E8EB2265224E}" type="datetimeFigureOut">
               <a:rPr lang="es-ES" smtClean="0"/>
-              <a:t>14/09/2018</a:t>
+              <a:t>26/09/2018</a:t>
             </a:fld>
             <a:endParaRPr lang="es-ES"/>
           </a:p>
@@ -715,7 +716,7 @@
           <a:p>
             <a:fld id="{1F27C6C3-23A9-4C93-89BD-AF55B254F089}" type="datetime1">
               <a:rPr lang="es-ES" smtClean="0"/>
-              <a:t>14/09/2018</a:t>
+              <a:t>26/09/2018</a:t>
             </a:fld>
             <a:endParaRPr lang="es-ES"/>
           </a:p>
@@ -926,7 +927,7 @@
           <a:p>
             <a:fld id="{3FFA878F-FA27-497A-9A82-ACC89675D987}" type="datetime1">
               <a:rPr lang="es-ES" smtClean="0"/>
-              <a:t>14/09/2018</a:t>
+              <a:t>26/09/2018</a:t>
             </a:fld>
             <a:endParaRPr lang="es-ES"/>
           </a:p>
@@ -1185,7 +1186,7 @@
           <a:p>
             <a:fld id="{48B36508-96C4-4A3B-A4B3-2D399A16D8EC}" type="datetime1">
               <a:rPr lang="es-ES" smtClean="0"/>
-              <a:t>14/09/2018</a:t>
+              <a:t>26/09/2018</a:t>
             </a:fld>
             <a:endParaRPr lang="es-ES"/>
           </a:p>
@@ -1362,7 +1363,7 @@
           <a:p>
             <a:fld id="{17F4DBA5-9B1C-41C3-AFA7-3A83BDBB9992}" type="datetime1">
               <a:rPr lang="es-ES" smtClean="0"/>
-              <a:t>14/09/2018</a:t>
+              <a:t>26/09/2018</a:t>
             </a:fld>
             <a:endParaRPr lang="es-ES"/>
           </a:p>
@@ -1708,7 +1709,7 @@
           <a:p>
             <a:fld id="{1C357ACD-8FF8-4C60-837B-E49EDAF1D580}" type="datetime1">
               <a:rPr lang="es-ES" smtClean="0"/>
-              <a:t>14/09/2018</a:t>
+              <a:t>26/09/2018</a:t>
             </a:fld>
             <a:endParaRPr lang="es-ES"/>
           </a:p>
@@ -1986,7 +1987,7 @@
           <a:p>
             <a:fld id="{C6AE0DAF-3E8E-4683-AC23-30DCA1069D63}" type="datetime1">
               <a:rPr lang="es-ES" smtClean="0"/>
-              <a:t>14/09/2018</a:t>
+              <a:t>26/09/2018</a:t>
             </a:fld>
             <a:endParaRPr lang="es-ES"/>
           </a:p>
@@ -2368,7 +2369,7 @@
           <a:p>
             <a:fld id="{4A8F6048-7D3C-4830-B6C2-6E02968A2489}" type="datetime1">
               <a:rPr lang="es-ES" smtClean="0"/>
-              <a:t>14/09/2018</a:t>
+              <a:t>26/09/2018</a:t>
             </a:fld>
             <a:endParaRPr lang="es-ES"/>
           </a:p>
@@ -2489,7 +2490,7 @@
           <a:p>
             <a:fld id="{EB56B53F-C258-41B5-B79F-DC5574FA43D9}" type="datetime1">
               <a:rPr lang="es-ES" smtClean="0"/>
-              <a:t>14/09/2018</a:t>
+              <a:t>26/09/2018</a:t>
             </a:fld>
             <a:endParaRPr lang="es-ES"/>
           </a:p>
@@ -2663,7 +2664,7 @@
           <a:p>
             <a:fld id="{B4D27AD2-AA3A-478B-9536-7E996157D73F}" type="datetime1">
               <a:rPr lang="es-ES" smtClean="0"/>
-              <a:t>14/09/2018</a:t>
+              <a:t>26/09/2018</a:t>
             </a:fld>
             <a:endParaRPr lang="es-ES"/>
           </a:p>
@@ -3020,7 +3021,7 @@
           <a:p>
             <a:fld id="{71AA6A3A-4D9A-4A38-B4E2-6FB5CBF3D0AF}" type="datetime1">
               <a:rPr lang="es-ES" smtClean="0"/>
-              <a:t>14/09/2018</a:t>
+              <a:t>26/09/2018</a:t>
             </a:fld>
             <a:endParaRPr lang="es-ES"/>
           </a:p>
@@ -3405,7 +3406,7 @@
           <a:p>
             <a:fld id="{AE8591FB-57E7-4293-BF7B-243A0E8B812A}" type="datetime1">
               <a:rPr lang="es-ES" smtClean="0"/>
-              <a:t>14/09/2018</a:t>
+              <a:t>26/09/2018</a:t>
             </a:fld>
             <a:endParaRPr lang="es-ES"/>
           </a:p>
@@ -3695,7 +3696,7 @@
           <a:p>
             <a:fld id="{621D5B14-F9A1-4994-A0DB-F7EDC6CB54A4}" type="datetime1">
               <a:rPr lang="es-ES" smtClean="0"/>
-              <a:t>14/09/2018</a:t>
+              <a:t>26/09/2018</a:t>
             </a:fld>
             <a:endParaRPr lang="es-ES"/>
           </a:p>
@@ -4436,7 +4437,7 @@
                 <a:ea typeface="+mn-ea"/>
                 <a:cs typeface="+mn-cs"/>
               </a:rPr>
-              <a:t>Daily</a:t>
+              <a:t>What</a:t>
             </a:r>
             <a:r>
               <a:rPr lang="es-ES" dirty="0">
@@ -4444,7 +4445,39 @@
                 <a:ea typeface="+mn-ea"/>
                 <a:cs typeface="+mn-cs"/>
               </a:rPr>
-              <a:t> meetings</a:t>
+              <a:t> </a:t>
+            </a:r>
+            <a:r>
+              <a:rPr lang="es-ES" dirty="0" err="1">
+                <a:latin typeface="Baskerville Old Face" panose="02020602080505020303" pitchFamily="18" charset="0"/>
+                <a:ea typeface="+mn-ea"/>
+                <a:cs typeface="+mn-cs"/>
+              </a:rPr>
+              <a:t>does</a:t>
+            </a:r>
+            <a:r>
+              <a:rPr lang="es-ES" dirty="0">
+                <a:latin typeface="Baskerville Old Face" panose="02020602080505020303" pitchFamily="18" charset="0"/>
+                <a:ea typeface="+mn-ea"/>
+                <a:cs typeface="+mn-cs"/>
+              </a:rPr>
+              <a:t> </a:t>
+            </a:r>
+            <a:r>
+              <a:rPr lang="es-ES" dirty="0" err="1">
+                <a:latin typeface="Baskerville Old Face" panose="02020602080505020303" pitchFamily="18" charset="0"/>
+                <a:ea typeface="+mn-ea"/>
+                <a:cs typeface="+mn-cs"/>
+              </a:rPr>
+              <a:t>this</a:t>
+            </a:r>
+            <a:r>
+              <a:rPr lang="es-ES" dirty="0">
+                <a:latin typeface="Baskerville Old Face" panose="02020602080505020303" pitchFamily="18" charset="0"/>
+                <a:ea typeface="+mn-ea"/>
+                <a:cs typeface="+mn-cs"/>
+              </a:rPr>
+              <a:t> mean?</a:t>
             </a:r>
           </a:p>
         </p:txBody>
@@ -4483,6 +4516,414 @@
             <a:endParaRPr lang="es-ES" sz="2400" dirty="0"/>
           </a:p>
           <a:p>
+            <a:pPr>
+              <a:buFont typeface="Wingdings" panose="05000000000000000000" pitchFamily="2" charset="2"/>
+              <a:buChar char="§"/>
+            </a:pPr>
+            <a:r>
+              <a:rPr lang="en-US" sz="2400" dirty="0">
+                <a:latin typeface="Baskerville Old Face" panose="02020602080505020303" pitchFamily="18" charset="0"/>
+              </a:rPr>
+              <a:t>Professionality</a:t>
+            </a:r>
+          </a:p>
+          <a:p>
+            <a:pPr marL="0" indent="0">
+              <a:buNone/>
+            </a:pPr>
+            <a:r>
+              <a:rPr lang="en-US" sz="2400" dirty="0">
+                <a:latin typeface="Baskerville Old Face" panose="02020602080505020303" pitchFamily="18" charset="0"/>
+              </a:rPr>
+              <a:t>	You have the final word on your work. I have opinions. I’m not always right. You know better than me your work. Check and validate your assumptions if you disagree with me. Critical thinking is important.</a:t>
+            </a:r>
+          </a:p>
+          <a:p>
+            <a:pPr marL="0" indent="0">
+              <a:buNone/>
+            </a:pPr>
+            <a:r>
+              <a:rPr lang="en-US" sz="2400" dirty="0">
+                <a:latin typeface="Baskerville Old Face" panose="02020602080505020303" pitchFamily="18" charset="0"/>
+              </a:rPr>
+              <a:t>	Help your teammates. Share knowledge. </a:t>
+            </a:r>
+            <a:r>
+              <a:rPr lang="en-US" sz="2400" b="1" dirty="0">
+                <a:latin typeface="Baskerville Old Face" panose="02020602080505020303" pitchFamily="18" charset="0"/>
+              </a:rPr>
+              <a:t>Have their backs.</a:t>
+            </a:r>
+          </a:p>
+        </p:txBody>
+      </p:sp>
+      <p:cxnSp>
+        <p:nvCxnSpPr>
+          <p:cNvPr id="5" name="Straight Connector 4">
+            <a:extLst>
+              <a:ext uri="{FF2B5EF4-FFF2-40B4-BE49-F238E27FC236}">
+                <a16:creationId xmlns:a16="http://schemas.microsoft.com/office/drawing/2014/main" id="{028A9B6C-EF07-4734-9FF2-9967CFB93C28}"/>
+              </a:ext>
+            </a:extLst>
+          </p:cNvPr>
+          <p:cNvCxnSpPr>
+            <a:cxnSpLocks/>
+          </p:cNvCxnSpPr>
+          <p:nvPr/>
+        </p:nvCxnSpPr>
+        <p:spPr>
+          <a:xfrm>
+            <a:off x="1097280" y="1845734"/>
+            <a:ext cx="8608695" cy="2116"/>
+          </a:xfrm>
+          <a:prstGeom prst="line">
+            <a:avLst/>
+          </a:prstGeom>
+          <a:ln w="123825">
+            <a:solidFill>
+              <a:srgbClr val="BD582C"/>
+            </a:solidFill>
+          </a:ln>
+        </p:spPr>
+        <p:style>
+          <a:lnRef idx="1">
+            <a:schemeClr val="accent1"/>
+          </a:lnRef>
+          <a:fillRef idx="0">
+            <a:schemeClr val="accent1"/>
+          </a:fillRef>
+          <a:effectRef idx="0">
+            <a:schemeClr val="accent1"/>
+          </a:effectRef>
+          <a:fontRef idx="minor">
+            <a:schemeClr val="tx1"/>
+          </a:fontRef>
+        </p:style>
+      </p:cxnSp>
+      <p:cxnSp>
+        <p:nvCxnSpPr>
+          <p:cNvPr id="22" name="Straight Connector 21">
+            <a:extLst>
+              <a:ext uri="{FF2B5EF4-FFF2-40B4-BE49-F238E27FC236}">
+                <a16:creationId xmlns:a16="http://schemas.microsoft.com/office/drawing/2014/main" id="{E60A7B43-1D0E-4137-B852-4001F0E08A33}"/>
+              </a:ext>
+            </a:extLst>
+          </p:cNvPr>
+          <p:cNvCxnSpPr/>
+          <p:nvPr/>
+        </p:nvCxnSpPr>
+        <p:spPr>
+          <a:xfrm>
+            <a:off x="1097280" y="6232849"/>
+            <a:ext cx="10575316" cy="0"/>
+          </a:xfrm>
+          <a:prstGeom prst="line">
+            <a:avLst/>
+          </a:prstGeom>
+        </p:spPr>
+        <p:style>
+          <a:lnRef idx="1">
+            <a:schemeClr val="accent1"/>
+          </a:lnRef>
+          <a:fillRef idx="0">
+            <a:schemeClr val="accent1"/>
+          </a:fillRef>
+          <a:effectRef idx="0">
+            <a:schemeClr val="accent1"/>
+          </a:effectRef>
+          <a:fontRef idx="minor">
+            <a:schemeClr val="tx1"/>
+          </a:fontRef>
+        </p:style>
+      </p:cxnSp>
+      <p:sp>
+        <p:nvSpPr>
+          <p:cNvPr id="23" name="Footer Placeholder 22">
+            <a:extLst>
+              <a:ext uri="{FF2B5EF4-FFF2-40B4-BE49-F238E27FC236}">
+                <a16:creationId xmlns:a16="http://schemas.microsoft.com/office/drawing/2014/main" id="{79769688-6128-4801-A1B5-EDB1D0C54A5D}"/>
+              </a:ext>
+            </a:extLst>
+          </p:cNvPr>
+          <p:cNvSpPr>
+            <a:spLocks noGrp="1"/>
+          </p:cNvSpPr>
+          <p:nvPr>
+            <p:ph type="ftr" sz="quarter" idx="11"/>
+          </p:nvPr>
+        </p:nvSpPr>
+        <p:spPr/>
+        <p:txBody>
+          <a:bodyPr/>
+          <a:lstStyle/>
+          <a:p>
+            <a:pPr marL="0" marR="0" lvl="0" indent="0" algn="ctr" defTabSz="457200" rtl="0" eaLnBrk="1" fontAlgn="auto" latinLnBrk="0" hangingPunct="1">
+              <a:lnSpc>
+                <a:spcPct val="100000"/>
+              </a:lnSpc>
+              <a:spcBef>
+                <a:spcPts val="0"/>
+              </a:spcBef>
+              <a:spcAft>
+                <a:spcPts val="0"/>
+              </a:spcAft>
+              <a:buClrTx/>
+              <a:buSzTx/>
+              <a:buFontTx/>
+              <a:buNone/>
+              <a:tabLst/>
+              <a:defRPr/>
+            </a:pPr>
+            <a:r>
+              <a:rPr kumimoji="0" lang="es-ES" sz="900" b="0" i="0" u="none" strike="noStrike" kern="1200" cap="all" spc="0" normalizeH="0" baseline="0" noProof="0" dirty="0">
+                <a:ln>
+                  <a:noFill/>
+                </a:ln>
+                <a:solidFill>
+                  <a:srgbClr val="000000"/>
+                </a:solidFill>
+                <a:effectLst/>
+                <a:uLnTx/>
+                <a:uFillTx/>
+                <a:latin typeface="Baskerville Old Face" panose="02020602080505020303" pitchFamily="18" charset="0"/>
+                <a:ea typeface="+mn-ea"/>
+                <a:cs typeface="+mn-cs"/>
+              </a:rPr>
+              <a:t>            https://www.linkedin.com/in/albertoabelleira/</a:t>
+            </a:r>
+          </a:p>
+        </p:txBody>
+      </p:sp>
+      <p:sp>
+        <p:nvSpPr>
+          <p:cNvPr id="24" name="Slide Number Placeholder 23">
+            <a:extLst>
+              <a:ext uri="{FF2B5EF4-FFF2-40B4-BE49-F238E27FC236}">
+                <a16:creationId xmlns:a16="http://schemas.microsoft.com/office/drawing/2014/main" id="{6A214E5A-F6E4-4AA9-BFC6-3D73A7027C36}"/>
+              </a:ext>
+            </a:extLst>
+          </p:cNvPr>
+          <p:cNvSpPr>
+            <a:spLocks noGrp="1"/>
+          </p:cNvSpPr>
+          <p:nvPr>
+            <p:ph type="sldNum" sz="quarter" idx="12"/>
+          </p:nvPr>
+        </p:nvSpPr>
+        <p:spPr/>
+        <p:txBody>
+          <a:bodyPr/>
+          <a:lstStyle/>
+          <a:p>
+            <a:pPr marL="0" marR="0" lvl="0" indent="0" algn="r" defTabSz="457200" rtl="0" eaLnBrk="1" fontAlgn="auto" latinLnBrk="0" hangingPunct="1">
+              <a:lnSpc>
+                <a:spcPct val="100000"/>
+              </a:lnSpc>
+              <a:spcBef>
+                <a:spcPts val="0"/>
+              </a:spcBef>
+              <a:spcAft>
+                <a:spcPts val="0"/>
+              </a:spcAft>
+              <a:buClrTx/>
+              <a:buSzTx/>
+              <a:buFontTx/>
+              <a:buNone/>
+              <a:tabLst/>
+              <a:defRPr/>
+            </a:pPr>
+            <a:fld id="{CB5EB742-9A9D-42E9-B6F4-9E5A9FF44F6A}" type="slidenum">
+              <a:rPr kumimoji="0" lang="es-ES" sz="1050" b="0" i="0" u="none" strike="noStrike" kern="1200" cap="none" spc="0" normalizeH="0" baseline="0" noProof="0" smtClean="0">
+                <a:ln>
+                  <a:noFill/>
+                </a:ln>
+                <a:solidFill>
+                  <a:srgbClr val="000000"/>
+                </a:solidFill>
+                <a:effectLst/>
+                <a:uLnTx/>
+                <a:uFillTx/>
+                <a:latin typeface="Calibri" panose="020F0502020204030204"/>
+                <a:ea typeface="+mn-ea"/>
+                <a:cs typeface="+mn-cs"/>
+              </a:rPr>
+              <a:pPr marL="0" marR="0" lvl="0" indent="0" algn="r" defTabSz="457200" rtl="0" eaLnBrk="1" fontAlgn="auto" latinLnBrk="0" hangingPunct="1">
+                <a:lnSpc>
+                  <a:spcPct val="100000"/>
+                </a:lnSpc>
+                <a:spcBef>
+                  <a:spcPts val="0"/>
+                </a:spcBef>
+                <a:spcAft>
+                  <a:spcPts val="0"/>
+                </a:spcAft>
+                <a:buClrTx/>
+                <a:buSzTx/>
+                <a:buFontTx/>
+                <a:buNone/>
+                <a:tabLst/>
+                <a:defRPr/>
+              </a:pPr>
+              <a:t>10</a:t>
+            </a:fld>
+            <a:endParaRPr kumimoji="0" lang="es-ES" sz="1050" b="0" i="0" u="none" strike="noStrike" kern="1200" cap="none" spc="0" normalizeH="0" baseline="0" noProof="0">
+              <a:ln>
+                <a:noFill/>
+              </a:ln>
+              <a:solidFill>
+                <a:srgbClr val="000000"/>
+              </a:solidFill>
+              <a:effectLst/>
+              <a:uLnTx/>
+              <a:uFillTx/>
+              <a:latin typeface="Calibri" panose="020F0502020204030204"/>
+              <a:ea typeface="+mn-ea"/>
+              <a:cs typeface="+mn-cs"/>
+            </a:endParaRPr>
+          </a:p>
+        </p:txBody>
+      </p:sp>
+      <p:pic>
+        <p:nvPicPr>
+          <p:cNvPr id="30" name="Picture 29">
+            <a:extLst>
+              <a:ext uri="{FF2B5EF4-FFF2-40B4-BE49-F238E27FC236}">
+                <a16:creationId xmlns:a16="http://schemas.microsoft.com/office/drawing/2014/main" id="{F8829522-EC53-42AF-9695-DCDE8479C2FF}"/>
+              </a:ext>
+            </a:extLst>
+          </p:cNvPr>
+          <p:cNvPicPr>
+            <a:picLocks noChangeAspect="1"/>
+          </p:cNvPicPr>
+          <p:nvPr/>
+        </p:nvPicPr>
+        <p:blipFill>
+          <a:blip r:embed="rId2"/>
+          <a:stretch>
+            <a:fillRect/>
+          </a:stretch>
+        </p:blipFill>
+        <p:spPr>
+          <a:xfrm>
+            <a:off x="3452326" y="6405203"/>
+            <a:ext cx="1203643" cy="419707"/>
+          </a:xfrm>
+          <a:prstGeom prst="rect">
+            <a:avLst/>
+          </a:prstGeom>
+        </p:spPr>
+      </p:pic>
+    </p:spTree>
+    <p:extLst>
+      <p:ext uri="{BB962C8B-B14F-4D97-AF65-F5344CB8AC3E}">
+        <p14:creationId xmlns:p14="http://schemas.microsoft.com/office/powerpoint/2010/main" val="2978796584"/>
+      </p:ext>
+    </p:extLst>
+  </p:cSld>
+  <p:clrMapOvr>
+    <a:masterClrMapping/>
+  </p:clrMapOvr>
+</p:sld>
+</file>
+
+<file path=ppt/slides/slide11.xml><?xml version="1.0" encoding="utf-8"?>
+<p:sld xmlns:a="http://schemas.openxmlformats.org/drawingml/2006/main" xmlns:r="http://schemas.openxmlformats.org/officeDocument/2006/relationships" xmlns:p="http://schemas.openxmlformats.org/presentationml/2006/main" showMasterSp="0">
+  <p:cSld>
+    <p:spTree>
+      <p:nvGrpSpPr>
+        <p:cNvPr id="1" name=""/>
+        <p:cNvGrpSpPr/>
+        <p:nvPr/>
+      </p:nvGrpSpPr>
+      <p:grpSpPr>
+        <a:xfrm>
+          <a:off x="0" y="0"/>
+          <a:ext cx="0" cy="0"/>
+          <a:chOff x="0" y="0"/>
+          <a:chExt cx="0" cy="0"/>
+        </a:xfrm>
+      </p:grpSpPr>
+      <p:sp>
+        <p:nvSpPr>
+          <p:cNvPr id="2" name="Title 1">
+            <a:extLst>
+              <a:ext uri="{FF2B5EF4-FFF2-40B4-BE49-F238E27FC236}">
+                <a16:creationId xmlns:a16="http://schemas.microsoft.com/office/drawing/2014/main" id="{95AA5C01-9416-4255-9485-703720BB07C3}"/>
+              </a:ext>
+            </a:extLst>
+          </p:cNvPr>
+          <p:cNvSpPr>
+            <a:spLocks noGrp="1"/>
+          </p:cNvSpPr>
+          <p:nvPr>
+            <p:ph type="title"/>
+          </p:nvPr>
+        </p:nvSpPr>
+        <p:spPr>
+          <a:xfrm>
+            <a:off x="1097280" y="286603"/>
+            <a:ext cx="10058400" cy="1450757"/>
+          </a:xfrm>
+        </p:spPr>
+        <p:txBody>
+          <a:bodyPr>
+            <a:normAutofit/>
+          </a:bodyPr>
+          <a:lstStyle/>
+          <a:p>
+            <a:r>
+              <a:rPr lang="es-ES" dirty="0" err="1">
+                <a:latin typeface="Baskerville Old Face" panose="02020602080505020303" pitchFamily="18" charset="0"/>
+                <a:ea typeface="+mn-ea"/>
+                <a:cs typeface="+mn-cs"/>
+              </a:rPr>
+              <a:t>Daily</a:t>
+            </a:r>
+            <a:r>
+              <a:rPr lang="es-ES" dirty="0">
+                <a:latin typeface="Baskerville Old Face" panose="02020602080505020303" pitchFamily="18" charset="0"/>
+                <a:ea typeface="+mn-ea"/>
+                <a:cs typeface="+mn-cs"/>
+              </a:rPr>
+              <a:t> meetings</a:t>
+            </a:r>
+          </a:p>
+        </p:txBody>
+      </p:sp>
+      <p:sp>
+        <p:nvSpPr>
+          <p:cNvPr id="3" name="Content Placeholder 2">
+            <a:extLst>
+              <a:ext uri="{FF2B5EF4-FFF2-40B4-BE49-F238E27FC236}">
+                <a16:creationId xmlns:a16="http://schemas.microsoft.com/office/drawing/2014/main" id="{93D66AAF-3EE7-4577-9D40-4F04AB6CA167}"/>
+              </a:ext>
+            </a:extLst>
+          </p:cNvPr>
+          <p:cNvSpPr>
+            <a:spLocks noGrp="1"/>
+          </p:cNvSpPr>
+          <p:nvPr>
+            <p:ph idx="1"/>
+          </p:nvPr>
+        </p:nvSpPr>
+        <p:spPr>
+          <a:xfrm>
+            <a:off x="1097280" y="1845734"/>
+            <a:ext cx="10058400" cy="4023360"/>
+          </a:xfrm>
+        </p:spPr>
+        <p:txBody>
+          <a:bodyPr>
+            <a:normAutofit/>
+          </a:bodyPr>
+          <a:lstStyle/>
+          <a:p>
+            <a:pPr marL="0" indent="0">
+              <a:buNone/>
+            </a:pPr>
+            <a:endParaRPr lang="es-ES" sz="2400" dirty="0"/>
+          </a:p>
+          <a:p>
             <a:pPr marL="0" indent="0">
               <a:buNone/>
             </a:pPr>
@@ -4551,7 +4992,7 @@
               <a:rPr lang="en-US" sz="2400" dirty="0">
                 <a:latin typeface="Baskerville Old Face" panose="02020602080505020303" pitchFamily="18" charset="0"/>
               </a:rPr>
-              <a:t> sure to get ready before.</a:t>
+              <a:t> sure to get ready before we start.</a:t>
             </a:r>
           </a:p>
           <a:p>
@@ -4779,7 +5220,7 @@
                 <a:tabLst/>
                 <a:defRPr/>
               </a:pPr>
-              <a:t>10</a:t>
+              <a:t>11</a:t>
             </a:fld>
             <a:endParaRPr kumimoji="0" lang="es-ES" sz="1050" b="0" i="0" u="none" strike="noStrike" kern="1200" cap="none" spc="0" normalizeH="0" baseline="0" noProof="0">
               <a:ln>
@@ -4841,7 +5282,7 @@
 </p:sld>
 </file>
 
-<file path=ppt/slides/slide11.xml><?xml version="1.0" encoding="utf-8"?>
+<file path=ppt/slides/slide12.xml><?xml version="1.0" encoding="utf-8"?>
 <p:sld xmlns:a="http://schemas.openxmlformats.org/drawingml/2006/main" xmlns:r="http://schemas.openxmlformats.org/officeDocument/2006/relationships" xmlns:p="http://schemas.openxmlformats.org/presentationml/2006/main" showMasterSp="0">
   <p:cSld>
     <p:spTree>
@@ -5440,7 +5881,7 @@
                 <a:tabLst/>
                 <a:defRPr/>
               </a:pPr>
-              <a:t>11</a:t>
+              <a:t>12</a:t>
             </a:fld>
             <a:endParaRPr kumimoji="0" lang="es-ES" sz="1050" b="0" i="0" u="none" strike="noStrike" kern="1200" cap="none" spc="0" normalizeH="0" baseline="0" noProof="0">
               <a:ln>
@@ -5502,7 +5943,7 @@
 </p:sld>
 </file>
 
-<file path=ppt/slides/slide12.xml><?xml version="1.0" encoding="utf-8"?>
+<file path=ppt/slides/slide13.xml><?xml version="1.0" encoding="utf-8"?>
 <p:sld xmlns:a="http://schemas.openxmlformats.org/drawingml/2006/main" xmlns:r="http://schemas.openxmlformats.org/officeDocument/2006/relationships" xmlns:p="http://schemas.openxmlformats.org/presentationml/2006/main" showMasterSp="0">
   <p:cSld>
     <p:spTree>
@@ -5999,7 +6440,7 @@
                 <a:tabLst/>
                 <a:defRPr/>
               </a:pPr>
-              <a:t>12</a:t>
+              <a:t>13</a:t>
             </a:fld>
             <a:endParaRPr kumimoji="0" lang="es-ES" sz="1050" b="0" i="0" u="none" strike="noStrike" kern="1200" cap="none" spc="0" normalizeH="0" baseline="0" noProof="0">
               <a:ln>
@@ -6061,7 +6502,7 @@
 </p:sld>
 </file>
 
-<file path=ppt/slides/slide13.xml><?xml version="1.0" encoding="utf-8"?>
+<file path=ppt/slides/slide14.xml><?xml version="1.0" encoding="utf-8"?>
 <p:sld xmlns:a="http://schemas.openxmlformats.org/drawingml/2006/main" xmlns:r="http://schemas.openxmlformats.org/officeDocument/2006/relationships" xmlns:p="http://schemas.openxmlformats.org/presentationml/2006/main" showMasterSp="0">
   <p:cSld>
     <p:spTree>
@@ -6510,7 +6951,7 @@
                 <a:tabLst/>
                 <a:defRPr/>
               </a:pPr>
-              <a:t>13</a:t>
+              <a:t>14</a:t>
             </a:fld>
             <a:endParaRPr kumimoji="0" lang="es-ES" sz="1050" b="0" i="0" u="none" strike="noStrike" kern="1200" cap="none" spc="0" normalizeH="0" baseline="0" noProof="0">
               <a:ln>
@@ -6572,7 +7013,7 @@
 </p:sld>
 </file>
 
-<file path=ppt/slides/slide14.xml><?xml version="1.0" encoding="utf-8"?>
+<file path=ppt/slides/slide15.xml><?xml version="1.0" encoding="utf-8"?>
 <p:sld xmlns:a="http://schemas.openxmlformats.org/drawingml/2006/main" xmlns:r="http://schemas.openxmlformats.org/officeDocument/2006/relationships" xmlns:p="http://schemas.openxmlformats.org/presentationml/2006/main" showMasterSp="0">
   <p:cSld>
     <p:spTree>
@@ -6977,7 +7418,7 @@
                 <a:tabLst/>
                 <a:defRPr/>
               </a:pPr>
-              <a:t>14</a:t>
+              <a:t>15</a:t>
             </a:fld>
             <a:endParaRPr kumimoji="0" lang="es-ES" sz="1050" b="0" i="0" u="none" strike="noStrike" kern="1200" cap="none" spc="0" normalizeH="0" baseline="0" noProof="0">
               <a:ln>
@@ -9214,7 +9655,7 @@
               <a:rPr lang="en-US" sz="2400" dirty="0">
                 <a:latin typeface="Baskerville Old Face" panose="02020602080505020303" pitchFamily="18" charset="0"/>
               </a:rPr>
-              <a:t>	One of the most important – and hardest - things is make the pieces fit together and enable a “Default to yes” mindset.</a:t>
+              <a:t>	One of the most important – and hardest - things is make the pieces fit together and enable a “Default to yes” mindset. I’ll need your help on this.</a:t>
             </a:r>
             <a:endParaRPr lang="es-ES" sz="2400" dirty="0">
               <a:latin typeface="Baskerville Old Face" panose="02020602080505020303" pitchFamily="18" charset="0"/>
@@ -9816,7 +10257,7 @@
               <a:rPr lang="en-US" sz="2400" dirty="0">
                 <a:latin typeface="Baskerville Old Face" panose="02020602080505020303" pitchFamily="18" charset="0"/>
               </a:rPr>
-              <a:t>	I love optimizing processes to improve how things are done.</a:t>
+              <a:t>	I love optimizing processes to improve how things are done. I’ll need your help for this too.</a:t>
             </a:r>
             <a:endParaRPr lang="en-GB" sz="2400" dirty="0">
               <a:latin typeface="Baskerville Old Face" panose="02020602080505020303" pitchFamily="18" charset="0"/>
@@ -10609,7 +11050,7 @@
         </p:spPr>
         <p:txBody>
           <a:bodyPr>
-            <a:normAutofit fontScale="92500" lnSpcReduction="10000"/>
+            <a:normAutofit/>
           </a:bodyPr>
           <a:lstStyle/>
           <a:p>
@@ -10641,7 +11082,18 @@
               <a:rPr lang="en-US" sz="2400" dirty="0">
                 <a:latin typeface="Baskerville Old Face" panose="02020602080505020303" pitchFamily="18" charset="0"/>
               </a:rPr>
-              <a:t>	We work on a team and as a team. Harmony is important. Empathy too.</a:t>
+              <a:t>	We work on a team and as a team. Harmony is important. Empathy too. </a:t>
+            </a:r>
+          </a:p>
+          <a:p>
+            <a:pPr marL="0" indent="0">
+              <a:buNone/>
+            </a:pPr>
+            <a:r>
+              <a:rPr lang="en-US" sz="2400" dirty="0">
+                <a:latin typeface="Baskerville Old Face" panose="02020602080505020303" pitchFamily="18" charset="0"/>
+              </a:rPr>
+              <a:t>	I do really believe in group dynamics. </a:t>
             </a:r>
           </a:p>
           <a:p>
@@ -10664,69 +11116,35 @@
               <a:rPr lang="en-US" sz="2400" dirty="0">
                 <a:latin typeface="Baskerville Old Face" panose="02020602080505020303" pitchFamily="18" charset="0"/>
               </a:rPr>
-              <a:t>	Make the difference every day. Propose, improve, get better.</a:t>
-            </a:r>
-          </a:p>
-          <a:p>
-            <a:pPr>
-              <a:buFont typeface="Wingdings" panose="05000000000000000000" pitchFamily="2" charset="2"/>
-              <a:buChar char="§"/>
+              <a:t>	Make the difference every day. </a:t>
+            </a:r>
+          </a:p>
+          <a:p>
+            <a:pPr marL="0" indent="0">
+              <a:buNone/>
             </a:pPr>
             <a:r>
-              <a:rPr lang="es-ES" sz="2400" dirty="0" err="1">
-                <a:latin typeface="Baskerville Old Face" panose="02020602080505020303" pitchFamily="18" charset="0"/>
-              </a:rPr>
-              <a:t>Communication</a:t>
-            </a:r>
-            <a:r>
-              <a:rPr lang="es-ES" sz="2400" dirty="0">
-                <a:latin typeface="Baskerville Old Face" panose="02020602080505020303" pitchFamily="18" charset="0"/>
-              </a:rPr>
-              <a:t> </a:t>
-            </a:r>
-            <a:r>
-              <a:rPr lang="es-ES" sz="2400" dirty="0" err="1">
-                <a:latin typeface="Baskerville Old Face" panose="02020602080505020303" pitchFamily="18" charset="0"/>
-              </a:rPr>
-              <a:t>is</a:t>
-            </a:r>
-            <a:r>
-              <a:rPr lang="es-ES" sz="2400" dirty="0">
-                <a:latin typeface="Baskerville Old Face" panose="02020602080505020303" pitchFamily="18" charset="0"/>
-              </a:rPr>
-              <a:t> </a:t>
-            </a:r>
-            <a:r>
-              <a:rPr lang="es-ES" sz="2400" dirty="0" err="1">
-                <a:latin typeface="Baskerville Old Face" panose="02020602080505020303" pitchFamily="18" charset="0"/>
-              </a:rPr>
-              <a:t>key</a:t>
-            </a:r>
-            <a:endParaRPr lang="es-ES" sz="2400" dirty="0">
-              <a:latin typeface="Baskerville Old Face" panose="02020602080505020303" pitchFamily="18" charset="0"/>
-            </a:endParaRPr>
+              <a:rPr lang="en-US" sz="2400" dirty="0">
+                <a:latin typeface="Baskerville Old Face" panose="02020602080505020303" pitchFamily="18" charset="0"/>
+              </a:rPr>
+              <a:t>	</a:t>
+            </a:r>
+            <a:r>
+              <a:rPr lang="en-US" sz="2400" b="1" dirty="0">
+                <a:latin typeface="Baskerville Old Face" panose="02020602080505020303" pitchFamily="18" charset="0"/>
+              </a:rPr>
+              <a:t>Propose, improve, get better</a:t>
+            </a:r>
+            <a:r>
+              <a:rPr lang="en-US" sz="2400" dirty="0">
+                <a:latin typeface="Baskerville Old Face" panose="02020602080505020303" pitchFamily="18" charset="0"/>
+              </a:rPr>
+              <a:t>.</a:t>
+            </a:r>
           </a:p>
           <a:p>
             <a:pPr marL="0" indent="0">
               <a:buNone/>
-            </a:pPr>
-            <a:r>
-              <a:rPr lang="es-ES" sz="2400" dirty="0">
-                <a:latin typeface="Baskerville Old Face" panose="02020602080505020303" pitchFamily="18" charset="0"/>
-              </a:rPr>
-              <a:t>	</a:t>
-            </a:r>
-            <a:r>
-              <a:rPr lang="en-US" sz="2400" dirty="0">
-                <a:latin typeface="Baskerville Old Face" panose="02020602080505020303" pitchFamily="18" charset="0"/>
-              </a:rPr>
-              <a:t>If you need to talk or get directions from me, let’s talk. If you are unsure about anything, just ask. Feel free to schedule a meeting. My calendar is open. I read all e-mail, drop me one if it’s not urgent. Be communicative to help team grow by sharing your knowledge.</a:t>
-            </a:r>
-          </a:p>
-          <a:p>
-            <a:pPr>
-              <a:buFont typeface="Wingdings" panose="05000000000000000000" pitchFamily="2" charset="2"/>
-              <a:buChar char="§"/>
             </a:pPr>
             <a:endParaRPr lang="en-US" sz="2400" dirty="0">
               <a:latin typeface="Baskerville Old Face" panose="02020602080505020303" pitchFamily="18" charset="0"/>
@@ -11138,44 +11556,167 @@
               <a:buChar char="§"/>
             </a:pPr>
             <a:r>
-              <a:rPr lang="en-US" sz="2400" dirty="0">
-                <a:latin typeface="Baskerville Old Face" panose="02020602080505020303" pitchFamily="18" charset="0"/>
-              </a:rPr>
-              <a:t>Professionality</a:t>
-            </a:r>
-          </a:p>
-          <a:p>
-            <a:pPr marL="0" indent="0">
-              <a:buNone/>
+              <a:rPr lang="es-ES" sz="2400" dirty="0" err="1">
+                <a:latin typeface="Baskerville Old Face" panose="02020602080505020303" pitchFamily="18" charset="0"/>
+              </a:rPr>
+              <a:t>Communication</a:t>
+            </a:r>
+            <a:r>
+              <a:rPr lang="es-ES" sz="2400" dirty="0">
+                <a:latin typeface="Baskerville Old Face" panose="02020602080505020303" pitchFamily="18" charset="0"/>
+              </a:rPr>
+              <a:t> </a:t>
+            </a:r>
+            <a:r>
+              <a:rPr lang="es-ES" sz="2400" dirty="0" err="1">
+                <a:latin typeface="Baskerville Old Face" panose="02020602080505020303" pitchFamily="18" charset="0"/>
+              </a:rPr>
+              <a:t>is</a:t>
+            </a:r>
+            <a:r>
+              <a:rPr lang="es-ES" sz="2400" dirty="0">
+                <a:latin typeface="Baskerville Old Face" panose="02020602080505020303" pitchFamily="18" charset="0"/>
+              </a:rPr>
+              <a:t> </a:t>
+            </a:r>
+            <a:r>
+              <a:rPr lang="es-ES" sz="2400" dirty="0" err="1">
+                <a:latin typeface="Baskerville Old Face" panose="02020602080505020303" pitchFamily="18" charset="0"/>
+              </a:rPr>
+              <a:t>key</a:t>
+            </a:r>
+            <a:endParaRPr lang="es-ES" sz="2400" dirty="0">
+              <a:latin typeface="Baskerville Old Face" panose="02020602080505020303" pitchFamily="18" charset="0"/>
+            </a:endParaRPr>
+          </a:p>
+          <a:p>
+            <a:pPr lvl="3">
+              <a:buFont typeface="Wingdings" panose="05000000000000000000" pitchFamily="2" charset="2"/>
+              <a:buChar char="Ø"/>
             </a:pPr>
             <a:r>
-              <a:rPr lang="en-US" sz="2400" dirty="0">
-                <a:latin typeface="Baskerville Old Face" panose="02020602080505020303" pitchFamily="18" charset="0"/>
-              </a:rPr>
-              <a:t>	You have the final word on your work. I have opinions. I’m not always right. You know better than me your work. Check and validate your assumptions if you disagree with me. Critical thinking is important.</a:t>
-            </a:r>
-          </a:p>
-          <a:p>
-            <a:pPr marL="0" indent="0">
-              <a:buNone/>
+              <a:rPr lang="en-US" sz="2000" dirty="0">
+                <a:latin typeface="Baskerville Old Face" panose="02020602080505020303" pitchFamily="18" charset="0"/>
+              </a:rPr>
+              <a:t>If you need to talk or get directions from me, let’s talk. </a:t>
+            </a:r>
+          </a:p>
+          <a:p>
+            <a:pPr lvl="5">
+              <a:buFont typeface="Wingdings" panose="05000000000000000000" pitchFamily="2" charset="2"/>
+              <a:buChar char="ü"/>
             </a:pPr>
             <a:r>
-              <a:rPr lang="en-US" sz="2400" dirty="0">
-                <a:latin typeface="Baskerville Old Face" panose="02020602080505020303" pitchFamily="18" charset="0"/>
-              </a:rPr>
-              <a:t>	I’ll give you as much autonomy as you can handle. If you feel you need more, just ask for it.  </a:t>
-            </a:r>
-          </a:p>
-          <a:p>
-            <a:pPr marL="0" indent="0">
-              <a:buNone/>
+              <a:rPr lang="en-US" sz="2000" dirty="0">
+                <a:latin typeface="Baskerville Old Face" panose="02020602080505020303" pitchFamily="18" charset="0"/>
+              </a:rPr>
+              <a:t>If it’s not urgent, drop me an e-mail.</a:t>
+            </a:r>
+          </a:p>
+          <a:p>
+            <a:pPr lvl="5">
+              <a:buFont typeface="Wingdings" panose="05000000000000000000" pitchFamily="2" charset="2"/>
+              <a:buChar char="ü"/>
             </a:pPr>
             <a:r>
-              <a:rPr lang="en-US" sz="2400" dirty="0">
-                <a:latin typeface="Baskerville Old Face" panose="02020602080505020303" pitchFamily="18" charset="0"/>
-              </a:rPr>
-              <a:t>	Help your teammates. Share knowledge. Have their backs.</a:t>
-            </a:r>
+              <a:rPr lang="es-ES" sz="2000" dirty="0">
+                <a:latin typeface="Baskerville Old Face" panose="02020602080505020303" pitchFamily="18" charset="0"/>
+              </a:rPr>
+              <a:t>I</a:t>
+            </a:r>
+            <a:r>
+              <a:rPr lang="en-US" sz="2000" dirty="0">
+                <a:latin typeface="Baskerville Old Face" panose="02020602080505020303" pitchFamily="18" charset="0"/>
+              </a:rPr>
+              <a:t>f it’s urgent, come by my desk or call me using Skype.</a:t>
+            </a:r>
+          </a:p>
+          <a:p>
+            <a:pPr lvl="5">
+              <a:buFont typeface="Wingdings" panose="05000000000000000000" pitchFamily="2" charset="2"/>
+              <a:buChar char="ü"/>
+            </a:pPr>
+            <a:r>
+              <a:rPr lang="en-US" sz="2000" dirty="0">
+                <a:latin typeface="Baskerville Old Face" panose="02020602080505020303" pitchFamily="18" charset="0"/>
+              </a:rPr>
+              <a:t>Feel free to schedule a meeting with me. My calendar is open for you. </a:t>
+            </a:r>
+          </a:p>
+          <a:p>
+            <a:pPr lvl="3">
+              <a:buFont typeface="Wingdings" panose="05000000000000000000" pitchFamily="2" charset="2"/>
+              <a:buChar char="Ø"/>
+            </a:pPr>
+            <a:r>
+              <a:rPr lang="en-US" sz="2000" dirty="0">
+                <a:latin typeface="Baskerville Old Face" panose="02020602080505020303" pitchFamily="18" charset="0"/>
+              </a:rPr>
+              <a:t>If you are unsure about anything, just ask. </a:t>
+            </a:r>
+          </a:p>
+          <a:p>
+            <a:pPr lvl="3">
+              <a:buFont typeface="Wingdings" panose="05000000000000000000" pitchFamily="2" charset="2"/>
+              <a:buChar char="Ø"/>
+            </a:pPr>
+            <a:r>
+              <a:rPr lang="en-US" sz="2000" dirty="0">
+                <a:latin typeface="Baskerville Old Face" panose="02020602080505020303" pitchFamily="18" charset="0"/>
+              </a:rPr>
+              <a:t>Be communicative to help team grow by sharing your knowledge. </a:t>
+            </a:r>
+          </a:p>
+          <a:p>
+            <a:pPr lvl="3">
+              <a:buFont typeface="Wingdings" panose="05000000000000000000" pitchFamily="2" charset="2"/>
+              <a:buChar char="Ø"/>
+            </a:pPr>
+            <a:r>
+              <a:rPr lang="en-US" sz="2000" dirty="0">
+                <a:latin typeface="Baskerville Old Face" panose="02020602080505020303" pitchFamily="18" charset="0"/>
+              </a:rPr>
+              <a:t>Always keep </a:t>
+            </a:r>
+            <a:r>
+              <a:rPr lang="en-US" sz="2000" dirty="0" err="1">
+                <a:latin typeface="Baskerville Old Face" panose="02020602080505020303" pitchFamily="18" charset="0"/>
+              </a:rPr>
+              <a:t>CC’d</a:t>
+            </a:r>
+            <a:r>
+              <a:rPr lang="en-US" sz="2000" dirty="0">
+                <a:latin typeface="Baskerville Old Face" panose="02020602080505020303" pitchFamily="18" charset="0"/>
+              </a:rPr>
+              <a:t> the team in your daily work e-mails.</a:t>
+            </a:r>
+          </a:p>
+          <a:p>
+            <a:pPr lvl="3">
+              <a:buFont typeface="Wingdings" panose="05000000000000000000" pitchFamily="2" charset="2"/>
+              <a:buChar char="Ø"/>
+            </a:pPr>
+            <a:r>
+              <a:rPr lang="es-ES" sz="2000" dirty="0">
+                <a:latin typeface="Baskerville Old Face" panose="02020602080505020303" pitchFamily="18" charset="0"/>
+              </a:rPr>
+              <a:t>I</a:t>
+            </a:r>
+            <a:r>
+              <a:rPr lang="en-US" sz="2000" dirty="0">
+                <a:latin typeface="Baskerville Old Face" panose="02020602080505020303" pitchFamily="18" charset="0"/>
+              </a:rPr>
+              <a:t> read all e-mails, so don’t be afraid.</a:t>
+            </a:r>
+          </a:p>
+          <a:p>
+            <a:pPr>
+              <a:buFont typeface="Wingdings" panose="05000000000000000000" pitchFamily="2" charset="2"/>
+              <a:buChar char="§"/>
+            </a:pPr>
+            <a:endParaRPr lang="en-US" sz="2400" dirty="0">
+              <a:latin typeface="Baskerville Old Face" panose="02020602080505020303" pitchFamily="18" charset="0"/>
+            </a:endParaRPr>
           </a:p>
         </p:txBody>
       </p:sp>
@@ -11388,7 +11929,7 @@
               </a:pPr>
               <a:t>9</a:t>
             </a:fld>
-            <a:endParaRPr kumimoji="0" lang="es-ES" sz="1050" b="0" i="0" u="none" strike="noStrike" kern="1200" cap="none" spc="0" normalizeH="0" baseline="0" noProof="0">
+            <a:endParaRPr kumimoji="0" lang="es-ES" sz="1050" b="0" i="0" u="none" strike="noStrike" kern="1200" cap="none" spc="0" normalizeH="0" baseline="0" noProof="0" dirty="0">
               <a:ln>
                 <a:noFill/>
               </a:ln>
@@ -11438,7 +11979,7 @@
     </p:spTree>
     <p:extLst>
       <p:ext uri="{BB962C8B-B14F-4D97-AF65-F5344CB8AC3E}">
-        <p14:creationId xmlns:p14="http://schemas.microsoft.com/office/powerpoint/2010/main" val="2978796584"/>
+        <p14:creationId xmlns:p14="http://schemas.microsoft.com/office/powerpoint/2010/main" val="2075656825"/>
       </p:ext>
     </p:extLst>
   </p:cSld>
